--- a/Week-4/SOLID Princples.pptx
+++ b/Week-4/SOLID Princples.pptx
@@ -420,7 +420,7 @@
             <a:fld id="{1D8BD707-D9CF-40AE-B4C6-C98DA3205C09}" type="datetimeFigureOut">
               <a:rPr lang="en-US" smtClean="0"/>
               <a:pPr/>
-              <a:t>2/13/2025</a:t>
+              <a:t>6/26/2025</a:t>
             </a:fld>
             <a:endParaRPr lang="en-US"/>
           </a:p>
@@ -612,7 +612,7 @@
             <a:fld id="{1D8BD707-D9CF-40AE-B4C6-C98DA3205C09}" type="datetimeFigureOut">
               <a:rPr lang="en-US" smtClean="0"/>
               <a:pPr/>
-              <a:t>2/13/2025</a:t>
+              <a:t>6/26/2025</a:t>
             </a:fld>
             <a:endParaRPr lang="en-US"/>
           </a:p>
@@ -798,7 +798,7 @@
             <a:fld id="{1D8BD707-D9CF-40AE-B4C6-C98DA3205C09}" type="datetimeFigureOut">
               <a:rPr lang="en-US" smtClean="0"/>
               <a:pPr/>
-              <a:t>2/13/2025</a:t>
+              <a:t>6/26/2025</a:t>
             </a:fld>
             <a:endParaRPr lang="en-US"/>
           </a:p>
@@ -1062,7 +1062,7 @@
             <a:fld id="{1D8BD707-D9CF-40AE-B4C6-C98DA3205C09}" type="datetimeFigureOut">
               <a:rPr lang="en-US" smtClean="0"/>
               <a:pPr/>
-              <a:t>2/13/2025</a:t>
+              <a:t>6/26/2025</a:t>
             </a:fld>
             <a:endParaRPr lang="en-US"/>
           </a:p>
@@ -1479,7 +1479,7 @@
             <a:fld id="{1D8BD707-D9CF-40AE-B4C6-C98DA3205C09}" type="datetimeFigureOut">
               <a:rPr lang="en-US" smtClean="0"/>
               <a:pPr/>
-              <a:t>2/13/2025</a:t>
+              <a:t>6/26/2025</a:t>
             </a:fld>
             <a:endParaRPr lang="en-US"/>
           </a:p>
@@ -1722,7 +1722,7 @@
             <a:fld id="{1D8BD707-D9CF-40AE-B4C6-C98DA3205C09}" type="datetimeFigureOut">
               <a:rPr lang="en-US" smtClean="0"/>
               <a:pPr/>
-              <a:t>2/13/2025</a:t>
+              <a:t>6/26/2025</a:t>
             </a:fld>
             <a:endParaRPr lang="en-US"/>
           </a:p>
@@ -1959,7 +1959,7 @@
             <a:fld id="{1D8BD707-D9CF-40AE-B4C6-C98DA3205C09}" type="datetimeFigureOut">
               <a:rPr lang="en-US" smtClean="0"/>
               <a:pPr/>
-              <a:t>2/13/2025</a:t>
+              <a:t>6/26/2025</a:t>
             </a:fld>
             <a:endParaRPr lang="en-US"/>
           </a:p>
@@ -2155,7 +2155,7 @@
             <a:fld id="{1D8BD707-D9CF-40AE-B4C6-C98DA3205C09}" type="datetimeFigureOut">
               <a:rPr lang="en-US" smtClean="0"/>
               <a:pPr/>
-              <a:t>2/13/2025</a:t>
+              <a:t>6/26/2025</a:t>
             </a:fld>
             <a:endParaRPr lang="en-US"/>
           </a:p>
@@ -2255,7 +2255,7 @@
             <a:fld id="{1D8BD707-D9CF-40AE-B4C6-C98DA3205C09}" type="datetimeFigureOut">
               <a:rPr lang="en-US" smtClean="0"/>
               <a:pPr/>
-              <a:t>2/13/2025</a:t>
+              <a:t>6/26/2025</a:t>
             </a:fld>
             <a:endParaRPr lang="en-US"/>
           </a:p>
@@ -2392,7 +2392,7 @@
             <a:fld id="{1D8BD707-D9CF-40AE-B4C6-C98DA3205C09}" type="datetimeFigureOut">
               <a:rPr lang="en-US" smtClean="0"/>
               <a:pPr/>
-              <a:t>2/13/2025</a:t>
+              <a:t>6/26/2025</a:t>
             </a:fld>
             <a:endParaRPr lang="en-US"/>
           </a:p>
@@ -2911,7 +2911,7 @@
             <a:fld id="{1D8BD707-D9CF-40AE-B4C6-C98DA3205C09}" type="datetimeFigureOut">
               <a:rPr lang="en-US" smtClean="0"/>
               <a:pPr/>
-              <a:t>2/13/2025</a:t>
+              <a:t>6/26/2025</a:t>
             </a:fld>
             <a:endParaRPr lang="en-US"/>
           </a:p>
@@ -3172,7 +3172,7 @@
             <a:fld id="{1D8BD707-D9CF-40AE-B4C6-C98DA3205C09}" type="datetimeFigureOut">
               <a:rPr lang="en-US" smtClean="0"/>
               <a:pPr/>
-              <a:t>2/13/2025</a:t>
+              <a:t>6/26/2025</a:t>
             </a:fld>
             <a:endParaRPr lang="en-US"/>
           </a:p>
@@ -4175,6 +4175,12 @@
           <a:p>
             <a:r>
               <a:rPr lang="en-US" sz="1700" dirty="0"/>
+              <a:t>A derived class must be substitutable for its base class without unexpected behavior</a:t>
+            </a:r>
+          </a:p>
+          <a:p>
+            <a:r>
+              <a:rPr lang="en-US" sz="1700" dirty="0"/>
               <a:t>Subtypes must be substitutable for their base types without altering the correctness of the program</a:t>
             </a:r>
           </a:p>
